--- a/MoonKangSCRAPY/realestate/Presentation- project 2 .pptx
+++ b/MoonKangSCRAPY/realestate/Presentation- project 2 .pptx
@@ -119,6 +119,11 @@
       </a:defRPr>
     </a:lvl9pPr>
   </p:defaultTextStyle>
+  <p:extLst>
+    <p:ext uri="{EFAFB233-063F-42B5-8137-9DF3F51BA10A}">
+      <p15:sldGuideLst xmlns:p15="http://schemas.microsoft.com/office/powerpoint/2012/main"/>
+    </p:ext>
+  </p:extLst>
 </p:presentation>
 </file>
 
@@ -5764,7 +5769,15 @@
             <a:pPr algn="ctr"/>
             <a:r>
               <a:rPr lang="en-US" sz="6000" dirty="0" smtClean="0"/>
-              <a:t>Best place to  live in </a:t>
+              <a:t>Best place to  </a:t>
+            </a:r>
+            <a:r>
+              <a:rPr lang="en-US" sz="6000" dirty="0" smtClean="0"/>
+              <a:t>live or buy house </a:t>
+            </a:r>
+            <a:r>
+              <a:rPr lang="en-US" sz="6000" dirty="0" smtClean="0"/>
+              <a:t>in </a:t>
             </a:r>
             <a:br>
               <a:rPr lang="en-US" sz="6000" dirty="0" smtClean="0"/>
@@ -5845,6 +5858,13 @@
   <p:clrMapOvr>
     <a:masterClrMapping/>
   </p:clrMapOvr>
+  <p:timing>
+    <p:tnLst>
+      <p:par>
+        <p:cTn id="1" dur="indefinite" restart="never" nodeType="tmRoot"/>
+      </p:par>
+    </p:tnLst>
+  </p:timing>
 </p:sld>
 </file>
 
@@ -5962,6 +5982,13 @@
   <p:clrMapOvr>
     <a:masterClrMapping/>
   </p:clrMapOvr>
+  <p:timing>
+    <p:tnLst>
+      <p:par>
+        <p:cTn id="1" dur="indefinite" restart="never" nodeType="tmRoot"/>
+      </p:par>
+    </p:tnLst>
+  </p:timing>
 </p:sld>
 </file>
 
@@ -6043,7 +6070,7 @@
         <p:spPr>
           <a:xfrm>
             <a:off x="7777655" y="1888687"/>
-            <a:ext cx="3951890" cy="2031325"/>
+            <a:ext cx="3951890" cy="3416320"/>
           </a:xfrm>
           <a:prstGeom prst="rect">
             <a:avLst/>
@@ -6089,8 +6116,30 @@
             </a:pPr>
             <a:r>
               <a:rPr lang="en-US" dirty="0" smtClean="0"/>
-              <a:t>But, top picks from previous graphs has high crime safety ratings.</a:t>
-            </a:r>
+              <a:t>But, top picks from previous graphs has high crime safety ratings</a:t>
+            </a:r>
+            <a:r>
+              <a:rPr lang="en-US" dirty="0" smtClean="0"/>
+              <a:t>.</a:t>
+            </a:r>
+          </a:p>
+          <a:p>
+            <a:pPr marL="285750" indent="-285750">
+              <a:buFont typeface="Arial" charset="0"/>
+              <a:buChar char="•"/>
+            </a:pPr>
+            <a:endParaRPr lang="en-US" dirty="0"/>
+          </a:p>
+          <a:p>
+            <a:pPr marL="285750" indent="-285750">
+              <a:buFont typeface="Arial" charset="0"/>
+              <a:buChar char="•"/>
+            </a:pPr>
+            <a:r>
+              <a:rPr lang="en-US" dirty="0" smtClean="0"/>
+              <a:t>According to the scatter plot I did it before, there was no significant correlation between price and crime safety level.</a:t>
+            </a:r>
+            <a:endParaRPr lang="en-US" dirty="0" smtClean="0"/>
           </a:p>
         </p:txBody>
       </p:sp>
@@ -6104,6 +6153,13 @@
   <p:clrMapOvr>
     <a:masterClrMapping/>
   </p:clrMapOvr>
+  <p:timing>
+    <p:tnLst>
+      <p:par>
+        <p:cTn id="1" dur="indefinite" restart="never" nodeType="tmRoot"/>
+      </p:par>
+    </p:tnLst>
+  </p:timing>
 </p:sld>
 </file>
 
@@ -6365,6 +6421,13 @@
   <p:clrMapOvr>
     <a:masterClrMapping/>
   </p:clrMapOvr>
+  <p:timing>
+    <p:tnLst>
+      <p:par>
+        <p:cTn id="1" dur="indefinite" restart="never" nodeType="tmRoot"/>
+      </p:par>
+    </p:tnLst>
+  </p:timing>
 </p:sld>
 </file>
 
@@ -6485,6 +6548,13 @@
   <p:clrMapOvr>
     <a:masterClrMapping/>
   </p:clrMapOvr>
+  <p:timing>
+    <p:tnLst>
+      <p:par>
+        <p:cTn id="1" dur="indefinite" restart="never" nodeType="tmRoot"/>
+      </p:par>
+    </p:tnLst>
+  </p:timing>
 </p:sld>
 </file>
 
@@ -6614,6 +6684,13 @@
   <p:clrMapOvr>
     <a:masterClrMapping/>
   </p:clrMapOvr>
+  <p:timing>
+    <p:tnLst>
+      <p:par>
+        <p:cTn id="1" dur="indefinite" restart="never" nodeType="tmRoot"/>
+      </p:par>
+    </p:tnLst>
+  </p:timing>
 </p:sld>
 </file>
 
@@ -6696,6 +6773,13 @@
   <p:clrMapOvr>
     <a:masterClrMapping/>
   </p:clrMapOvr>
+  <p:timing>
+    <p:tnLst>
+      <p:par>
+        <p:cTn id="1" dur="indefinite" restart="never" nodeType="tmRoot"/>
+      </p:par>
+    </p:tnLst>
+  </p:timing>
 </p:sld>
 </file>
 
@@ -6842,6 +6926,13 @@
   <p:clrMapOvr>
     <a:masterClrMapping/>
   </p:clrMapOvr>
+  <p:timing>
+    <p:tnLst>
+      <p:par>
+        <p:cTn id="1" dur="indefinite" restart="never" nodeType="tmRoot"/>
+      </p:par>
+    </p:tnLst>
+  </p:timing>
 </p:sld>
 </file>
 
@@ -6898,7 +6989,7 @@
         <p:spPr/>
         <p:txBody>
           <a:bodyPr>
-            <a:normAutofit lnSpcReduction="10000"/>
+            <a:normAutofit/>
           </a:bodyPr>
           <a:lstStyle/>
           <a:p>
@@ -6910,13 +7001,11 @@
           <a:p>
             <a:r>
               <a:rPr lang="en-US" dirty="0" smtClean="0"/>
-              <a:t>I used ”top places to buy house” page for web scrapping.</a:t>
-            </a:r>
-          </a:p>
-          <a:p>
-            <a:r>
-              <a:rPr lang="en-US" dirty="0" smtClean="0"/>
-              <a:t>It is a well organized web site and there are a lot of resources to web scrape.</a:t>
+              <a:t>The web site is well organized </a:t>
+            </a:r>
+            <a:r>
+              <a:rPr lang="en-US" dirty="0" smtClean="0"/>
+              <a:t>and there are a lot of resources to web scrape.</a:t>
             </a:r>
           </a:p>
           <a:p>
@@ -6950,6 +7039,13 @@
   <p:clrMapOvr>
     <a:masterClrMapping/>
   </p:clrMapOvr>
+  <p:timing>
+    <p:tnLst>
+      <p:par>
+        <p:cTn id="1" dur="indefinite" restart="never" nodeType="tmRoot"/>
+      </p:par>
+    </p:tnLst>
+  </p:timing>
 </p:sld>
 </file>
 
@@ -7113,6 +7209,13 @@
   <p:clrMapOvr>
     <a:masterClrMapping/>
   </p:clrMapOvr>
+  <p:timing>
+    <p:tnLst>
+      <p:par>
+        <p:cTn id="1" dur="indefinite" restart="never" nodeType="tmRoot"/>
+      </p:par>
+    </p:tnLst>
+  </p:timing>
 </p:sld>
 </file>
 
@@ -8074,6 +8177,13 @@
   <p:clrMapOvr>
     <a:masterClrMapping/>
   </p:clrMapOvr>
+  <p:timing>
+    <p:tnLst>
+      <p:par>
+        <p:cTn id="1" dur="indefinite" restart="never" nodeType="tmRoot"/>
+      </p:par>
+    </p:tnLst>
+  </p:timing>
 </p:sld>
 </file>
 
@@ -8134,13 +8244,26 @@
           <a:p>
             <a:r>
               <a:rPr lang="en-US" dirty="0" smtClean="0"/>
-              <a:t>From the data I collected from the website, </a:t>
-            </a:r>
-          </a:p>
-          <a:p>
-            <a:r>
-              <a:rPr lang="en-US" dirty="0" smtClean="0"/>
-              <a:t>I was able to see the highest in each column.</a:t>
+              <a:t>From the data I </a:t>
+            </a:r>
+            <a:r>
+              <a:rPr lang="en-US" dirty="0" smtClean="0"/>
+              <a:t>collected, </a:t>
+            </a:r>
+            <a:endParaRPr lang="en-US" dirty="0" smtClean="0"/>
+          </a:p>
+          <a:p>
+            <a:r>
+              <a:rPr lang="en-US" dirty="0" smtClean="0"/>
+              <a:t>I was able to see the </a:t>
+            </a:r>
+            <a:r>
+              <a:rPr lang="en-US" dirty="0" smtClean="0"/>
+              <a:t>highest value </a:t>
+            </a:r>
+            <a:r>
+              <a:rPr lang="en-US" dirty="0" smtClean="0"/>
+              <a:t>in each column.</a:t>
             </a:r>
           </a:p>
           <a:p>
@@ -8155,7 +8278,15 @@
           <a:p>
             <a:r>
               <a:rPr lang="en-US" dirty="0" smtClean="0"/>
-              <a:t>My goal is to see the trends and find what factor changes the price the most.</a:t>
+              <a:t>My goal is to see the trends and find what factor changes the </a:t>
+            </a:r>
+            <a:r>
+              <a:rPr lang="en-US" dirty="0" smtClean="0"/>
+              <a:t>price of the housing market </a:t>
+            </a:r>
+            <a:r>
+              <a:rPr lang="en-US" dirty="0" smtClean="0"/>
+              <a:t>the most.</a:t>
             </a:r>
           </a:p>
           <a:p>
@@ -8185,6 +8316,13 @@
   <p:clrMapOvr>
     <a:masterClrMapping/>
   </p:clrMapOvr>
+  <p:timing>
+    <p:tnLst>
+      <p:par>
+        <p:cTn id="1" dur="indefinite" restart="never" nodeType="tmRoot"/>
+      </p:par>
+    </p:tnLst>
+  </p:timing>
 </p:sld>
 </file>
 
@@ -8266,7 +8404,7 @@
         <p:spPr>
           <a:xfrm>
             <a:off x="8261131" y="1975944"/>
-            <a:ext cx="3930870" cy="2862322"/>
+            <a:ext cx="3930870" cy="3416320"/>
           </a:xfrm>
           <a:prstGeom prst="rect">
             <a:avLst/>
@@ -8301,7 +8439,19 @@
             </a:pPr>
             <a:r>
               <a:rPr lang="en-US" dirty="0" smtClean="0"/>
-              <a:t>34.2% of the data were cities in California.</a:t>
+              <a:t>34.2% of the </a:t>
+            </a:r>
+            <a:r>
+              <a:rPr lang="en-US" dirty="0" smtClean="0"/>
+              <a:t>data that was collected are </a:t>
+            </a:r>
+            <a:r>
+              <a:rPr lang="en-US" dirty="0" smtClean="0"/>
+              <a:t>cities in California</a:t>
+            </a:r>
+            <a:r>
+              <a:rPr lang="en-US" dirty="0" smtClean="0"/>
+              <a:t>.</a:t>
             </a:r>
           </a:p>
           <a:p>
@@ -8309,9 +8459,23 @@
               <a:buFont typeface="Arial" charset="0"/>
               <a:buChar char="•"/>
             </a:pPr>
-            <a:r>
-              <a:rPr lang="en-US" dirty="0" smtClean="0"/>
-              <a:t>Many popular States are in warmer area.</a:t>
+            <a:endParaRPr lang="en-US" dirty="0"/>
+          </a:p>
+          <a:p>
+            <a:endParaRPr lang="en-US" dirty="0" smtClean="0"/>
+          </a:p>
+          <a:p>
+            <a:pPr marL="285750" indent="-285750">
+              <a:buFont typeface="Arial" charset="0"/>
+              <a:buChar char="•"/>
+            </a:pPr>
+            <a:r>
+              <a:rPr lang="en-US" dirty="0" smtClean="0"/>
+              <a:t>As we can see, many </a:t>
+            </a:r>
+            <a:r>
+              <a:rPr lang="en-US" dirty="0" smtClean="0"/>
+              <a:t>popular States are in warmer area.</a:t>
             </a:r>
           </a:p>
           <a:p>
@@ -8339,6 +8503,13 @@
   <p:clrMapOvr>
     <a:masterClrMapping/>
   </p:clrMapOvr>
+  <p:timing>
+    <p:tnLst>
+      <p:par>
+        <p:cTn id="1" dur="indefinite" restart="never" nodeType="tmRoot"/>
+      </p:par>
+    </p:tnLst>
+  </p:timing>
 </p:sld>
 </file>
 
@@ -8420,7 +8591,7 @@
         <p:spPr>
           <a:xfrm>
             <a:off x="7851229" y="1909708"/>
-            <a:ext cx="4014950" cy="2308324"/>
+            <a:ext cx="4014950" cy="3416320"/>
           </a:xfrm>
           <a:prstGeom prst="rect">
             <a:avLst/>
@@ -8439,7 +8610,19 @@
             </a:pPr>
             <a:r>
               <a:rPr lang="en-US" dirty="0" smtClean="0"/>
-              <a:t>This is a bar-chart  weather ratings.</a:t>
+              <a:t>This is a bar-chart </a:t>
+            </a:r>
+            <a:r>
+              <a:rPr lang="en-US" dirty="0" smtClean="0"/>
+              <a:t> of </a:t>
+            </a:r>
+            <a:r>
+              <a:rPr lang="en-US" dirty="0" smtClean="0"/>
+              <a:t>weather ratings</a:t>
+            </a:r>
+            <a:r>
+              <a:rPr lang="en-US" dirty="0" smtClean="0"/>
+              <a:t>.</a:t>
             </a:r>
           </a:p>
           <a:p>
@@ -8447,10 +8630,7 @@
               <a:buFont typeface="Arial" charset="0"/>
               <a:buChar char="•"/>
             </a:pPr>
-            <a:r>
-              <a:rPr lang="en-US" dirty="0" smtClean="0"/>
-              <a:t>The rating was from 0 to 100.</a:t>
-            </a:r>
+            <a:endParaRPr lang="en-US" dirty="0" smtClean="0"/>
           </a:p>
           <a:p>
             <a:pPr marL="285750" indent="-285750">
@@ -8459,7 +8639,11 @@
             </a:pPr>
             <a:r>
               <a:rPr lang="en-US" dirty="0" smtClean="0"/>
-              <a:t>0 as not a good weather</a:t>
+              <a:t>The rating was from 0 to 100</a:t>
+            </a:r>
+            <a:r>
+              <a:rPr lang="en-US" dirty="0" smtClean="0"/>
+              <a:t>.</a:t>
             </a:r>
           </a:p>
           <a:p>
@@ -8467,10 +8651,7 @@
               <a:buFont typeface="Arial" charset="0"/>
               <a:buChar char="•"/>
             </a:pPr>
-            <a:r>
-              <a:rPr lang="en-US" dirty="0" smtClean="0"/>
-              <a:t>100 as very good weather</a:t>
-            </a:r>
+            <a:endParaRPr lang="en-US" dirty="0" smtClean="0"/>
           </a:p>
           <a:p>
             <a:pPr marL="285750" indent="-285750">
@@ -8479,9 +8660,66 @@
             </a:pPr>
             <a:r>
               <a:rPr lang="en-US" dirty="0" smtClean="0"/>
-              <a:t>This bar chart shows weather is relevant to the pie chart because the top rated states are in bar chart is also picked warmer areas in U.S</a:t>
-            </a:r>
-            <a:endParaRPr lang="en-US" dirty="0"/>
+              <a:t>0 as not a good </a:t>
+            </a:r>
+            <a:r>
+              <a:rPr lang="en-US" dirty="0" smtClean="0"/>
+              <a:t>weather</a:t>
+            </a:r>
+          </a:p>
+          <a:p>
+            <a:pPr marL="285750" indent="-285750">
+              <a:buFont typeface="Arial" charset="0"/>
+              <a:buChar char="•"/>
+            </a:pPr>
+            <a:endParaRPr lang="en-US" dirty="0" smtClean="0"/>
+          </a:p>
+          <a:p>
+            <a:pPr marL="285750" indent="-285750">
+              <a:buFont typeface="Arial" charset="0"/>
+              <a:buChar char="•"/>
+            </a:pPr>
+            <a:r>
+              <a:rPr lang="en-US" dirty="0" smtClean="0"/>
+              <a:t>100 as very good </a:t>
+            </a:r>
+            <a:r>
+              <a:rPr lang="en-US" dirty="0" smtClean="0"/>
+              <a:t>weather</a:t>
+            </a:r>
+          </a:p>
+          <a:p>
+            <a:pPr marL="285750" indent="-285750">
+              <a:buFont typeface="Arial" charset="0"/>
+              <a:buChar char="•"/>
+            </a:pPr>
+            <a:endParaRPr lang="en-US" dirty="0" smtClean="0"/>
+          </a:p>
+          <a:p>
+            <a:pPr marL="285750" indent="-285750">
+              <a:buFont typeface="Arial" charset="0"/>
+              <a:buChar char="•"/>
+            </a:pPr>
+            <a:r>
+              <a:rPr lang="en-US" dirty="0" smtClean="0"/>
+              <a:t>This bar chart </a:t>
+            </a:r>
+            <a:r>
+              <a:rPr lang="en-US" dirty="0" smtClean="0"/>
+              <a:t>is </a:t>
+            </a:r>
+            <a:r>
+              <a:rPr lang="en-US" dirty="0" smtClean="0"/>
+              <a:t>relevant to the pie chart because the top rated states </a:t>
+            </a:r>
+            <a:r>
+              <a:rPr lang="en-US" dirty="0" smtClean="0"/>
+              <a:t>from pie chart were also picked in</a:t>
+            </a:r>
+            <a:r>
+              <a:rPr lang="en-US" dirty="0" smtClean="0"/>
+              <a:t> this chart.</a:t>
+            </a:r>
           </a:p>
         </p:txBody>
       </p:sp>
@@ -8495,6 +8733,13 @@
   <p:clrMapOvr>
     <a:masterClrMapping/>
   </p:clrMapOvr>
+  <p:timing>
+    <p:tnLst>
+      <p:par>
+        <p:cTn id="1" dur="indefinite" restart="never" nodeType="tmRoot"/>
+      </p:par>
+    </p:tnLst>
+  </p:timing>
 </p:sld>
 </file>
 
@@ -8749,6 +8994,13 @@
   <p:clrMapOvr>
     <a:masterClrMapping/>
   </p:clrMapOvr>
+  <p:timing>
+    <p:tnLst>
+      <p:par>
+        <p:cTn id="1" dur="indefinite" restart="never" nodeType="tmRoot"/>
+      </p:par>
+    </p:tnLst>
+  </p:timing>
 </p:sld>
 </file>
 
@@ -8830,7 +9082,7 @@
         <p:spPr>
           <a:xfrm>
             <a:off x="8019393" y="2035832"/>
-            <a:ext cx="2638097" cy="2585323"/>
+            <a:ext cx="2638097" cy="2862322"/>
           </a:xfrm>
           <a:prstGeom prst="rect">
             <a:avLst/>
@@ -8844,8 +9096,13 @@
           <a:p>
             <a:r>
               <a:rPr lang="en-US" dirty="0" smtClean="0"/>
-              <a:t>Top picks</a:t>
-            </a:r>
+              <a:t>Top </a:t>
+            </a:r>
+            <a:r>
+              <a:rPr lang="en-US" dirty="0" smtClean="0"/>
+              <a:t>picks from Median price of house</a:t>
+            </a:r>
+            <a:endParaRPr lang="en-US" dirty="0" smtClean="0"/>
           </a:p>
           <a:p>
             <a:endParaRPr lang="en-US" dirty="0"/>
@@ -8926,6 +9183,13 @@
   <p:clrMapOvr>
     <a:masterClrMapping/>
   </p:clrMapOvr>
+  <p:timing>
+    <p:tnLst>
+      <p:par>
+        <p:cTn id="1" dur="indefinite" restart="never" nodeType="tmRoot"/>
+      </p:par>
+    </p:tnLst>
+  </p:timing>
 </p:sld>
 </file>
 

--- a/MoonKangSCRAPY/realestate/Presentation- project 2 .pptx
+++ b/MoonKangSCRAPY/realestate/Presentation- project 2 .pptx
@@ -20,7 +20,8 @@
     <p:sldId id="268" r:id="rId14"/>
     <p:sldId id="269" r:id="rId15"/>
     <p:sldId id="271" r:id="rId16"/>
-    <p:sldId id="270" r:id="rId17"/>
+    <p:sldId id="272" r:id="rId17"/>
+    <p:sldId id="270" r:id="rId18"/>
   </p:sldIdLst>
   <p:sldSz cx="12192000" cy="6858000"/>
   <p:notesSz cx="6858000" cy="9144000"/>
@@ -5769,15 +5770,7 @@
             <a:pPr algn="ctr"/>
             <a:r>
               <a:rPr lang="en-US" sz="6000" dirty="0" smtClean="0"/>
-              <a:t>Best place to  </a:t>
-            </a:r>
-            <a:r>
-              <a:rPr lang="en-US" sz="6000" dirty="0" smtClean="0"/>
-              <a:t>live or buy house </a:t>
-            </a:r>
-            <a:r>
-              <a:rPr lang="en-US" sz="6000" dirty="0" smtClean="0"/>
-              <a:t>in </a:t>
+              <a:t>Best place to  live or buy house in </a:t>
             </a:r>
             <a:br>
               <a:rPr lang="en-US" sz="6000" dirty="0" smtClean="0"/>
@@ -6116,11 +6109,7 @@
             </a:pPr>
             <a:r>
               <a:rPr lang="en-US" dirty="0" smtClean="0"/>
-              <a:t>But, top picks from previous graphs has high crime safety ratings</a:t>
-            </a:r>
-            <a:r>
-              <a:rPr lang="en-US" dirty="0" smtClean="0"/>
-              <a:t>.</a:t>
+              <a:t>But, top picks from previous graphs has high crime safety ratings.</a:t>
             </a:r>
           </a:p>
           <a:p>
@@ -6139,7 +6128,6 @@
               <a:rPr lang="en-US" dirty="0" smtClean="0"/>
               <a:t>According to the scatter plot I did it before, there was no significant correlation between price and crime safety level.</a:t>
             </a:r>
-            <a:endParaRPr lang="en-US" dirty="0" smtClean="0"/>
           </a:p>
         </p:txBody>
       </p:sp>
@@ -6758,8 +6746,8 @@
         </p:blipFill>
         <p:spPr>
           <a:xfrm>
-            <a:off x="838200" y="1853974"/>
-            <a:ext cx="6768748" cy="4351338"/>
+            <a:off x="838200" y="1901566"/>
+            <a:ext cx="6694714" cy="4303745"/>
           </a:xfrm>
         </p:spPr>
       </p:pic>
@@ -6815,6 +6803,150 @@
           <a:bodyPr/>
           <a:lstStyle/>
           <a:p>
+            <a:pPr algn="ctr"/>
+            <a:r>
+              <a:rPr lang="en-US" dirty="0" smtClean="0"/>
+              <a:t>Reviews</a:t>
+            </a:r>
+            <a:endParaRPr lang="en-US" dirty="0"/>
+          </a:p>
+        </p:txBody>
+      </p:sp>
+      <p:pic>
+        <p:nvPicPr>
+          <p:cNvPr id="10" name="Content Placeholder 9"/>
+          <p:cNvPicPr>
+            <a:picLocks noGrp="1" noChangeAspect="1"/>
+          </p:cNvPicPr>
+          <p:nvPr>
+            <p:ph idx="1"/>
+          </p:nvPr>
+        </p:nvPicPr>
+        <p:blipFill>
+          <a:blip r:embed="rId2">
+            <a:extLst>
+              <a:ext uri="{28A0092B-C50C-407E-A947-70E740481C1C}">
+                <a14:useLocalDpi xmlns:a14="http://schemas.microsoft.com/office/drawing/2010/main" val="0"/>
+              </a:ext>
+            </a:extLst>
+          </a:blip>
+          <a:stretch>
+            <a:fillRect/>
+          </a:stretch>
+        </p:blipFill>
+        <p:spPr>
+          <a:xfrm>
+            <a:off x="6096000" y="1690688"/>
+            <a:ext cx="5741617" cy="3691039"/>
+          </a:xfrm>
+        </p:spPr>
+      </p:pic>
+      <p:pic>
+        <p:nvPicPr>
+          <p:cNvPr id="8" name="Content Placeholder 3"/>
+          <p:cNvPicPr>
+            <a:picLocks noChangeAspect="1"/>
+          </p:cNvPicPr>
+          <p:nvPr/>
+        </p:nvPicPr>
+        <p:blipFill>
+          <a:blip r:embed="rId3">
+            <a:extLst>
+              <a:ext uri="{28A0092B-C50C-407E-A947-70E740481C1C}">
+                <a14:useLocalDpi xmlns:a14="http://schemas.microsoft.com/office/drawing/2010/main" val="0"/>
+              </a:ext>
+            </a:extLst>
+          </a:blip>
+          <a:stretch>
+            <a:fillRect/>
+          </a:stretch>
+        </p:blipFill>
+        <p:spPr>
+          <a:xfrm>
+            <a:off x="354381" y="1690688"/>
+            <a:ext cx="5741618" cy="3691040"/>
+          </a:xfrm>
+          <a:prstGeom prst="rect">
+            <a:avLst/>
+          </a:prstGeom>
+        </p:spPr>
+      </p:pic>
+      <p:sp>
+        <p:nvSpPr>
+          <p:cNvPr id="11" name="TextBox 10"/>
+          <p:cNvSpPr txBox="1"/>
+          <p:nvPr/>
+        </p:nvSpPr>
+        <p:spPr>
+          <a:xfrm>
+            <a:off x="1578428" y="5700711"/>
+            <a:ext cx="9035143" cy="369332"/>
+          </a:xfrm>
+          <a:prstGeom prst="rect">
+            <a:avLst/>
+          </a:prstGeom>
+          <a:noFill/>
+        </p:spPr>
+        <p:txBody>
+          <a:bodyPr wrap="square" rtlCol="0">
+            <a:spAutoFit/>
+          </a:bodyPr>
+          <a:lstStyle/>
+          <a:p>
+            <a:pPr algn="ctr"/>
+            <a:r>
+              <a:rPr lang="en-US" dirty="0" smtClean="0"/>
+              <a:t>Mid U.S States are very popular with good ratings</a:t>
+            </a:r>
+            <a:endParaRPr lang="en-US" dirty="0"/>
+          </a:p>
+        </p:txBody>
+      </p:sp>
+    </p:spTree>
+    <p:extLst>
+      <p:ext uri="{BB962C8B-B14F-4D97-AF65-F5344CB8AC3E}">
+        <p14:creationId xmlns:p14="http://schemas.microsoft.com/office/powerpoint/2010/main" val="1830169450"/>
+      </p:ext>
+    </p:extLst>
+  </p:cSld>
+  <p:clrMapOvr>
+    <a:masterClrMapping/>
+  </p:clrMapOvr>
+</p:sld>
+</file>
+
+<file path=ppt/slides/slide17.xml><?xml version="1.0" encoding="utf-8"?>
+<p:sld xmlns:a="http://schemas.openxmlformats.org/drawingml/2006/main" xmlns:r="http://schemas.openxmlformats.org/officeDocument/2006/relationships" xmlns:p="http://schemas.openxmlformats.org/presentationml/2006/main">
+  <p:cSld>
+    <p:spTree>
+      <p:nvGrpSpPr>
+        <p:cNvPr id="1" name=""/>
+        <p:cNvGrpSpPr/>
+        <p:nvPr/>
+      </p:nvGrpSpPr>
+      <p:grpSpPr>
+        <a:xfrm>
+          <a:off x="0" y="0"/>
+          <a:ext cx="0" cy="0"/>
+          <a:chOff x="0" y="0"/>
+          <a:chExt cx="0" cy="0"/>
+        </a:xfrm>
+      </p:grpSpPr>
+      <p:sp>
+        <p:nvSpPr>
+          <p:cNvPr id="2" name="Title 1"/>
+          <p:cNvSpPr>
+            <a:spLocks noGrp="1"/>
+          </p:cNvSpPr>
+          <p:nvPr>
+            <p:ph type="title"/>
+          </p:nvPr>
+        </p:nvSpPr>
+        <p:spPr/>
+        <p:txBody>
+          <a:bodyPr/>
+          <a:lstStyle/>
+          <a:p>
             <a:r>
               <a:rPr lang="en-US" dirty="0" smtClean="0"/>
               <a:t>Conclusion</a:t>
@@ -7001,11 +7133,7 @@
           <a:p>
             <a:r>
               <a:rPr lang="en-US" dirty="0" smtClean="0"/>
-              <a:t>The web site is well organized </a:t>
-            </a:r>
-            <a:r>
-              <a:rPr lang="en-US" dirty="0" smtClean="0"/>
-              <a:t>and there are a lot of resources to web scrape.</a:t>
+              <a:t>The web site is well organized and there are a lot of resources to web scrape.</a:t>
             </a:r>
           </a:p>
           <a:p>
@@ -8244,26 +8372,13 @@
           <a:p>
             <a:r>
               <a:rPr lang="en-US" dirty="0" smtClean="0"/>
-              <a:t>From the data I </a:t>
-            </a:r>
-            <a:r>
-              <a:rPr lang="en-US" dirty="0" smtClean="0"/>
-              <a:t>collected, </a:t>
-            </a:r>
-            <a:endParaRPr lang="en-US" dirty="0" smtClean="0"/>
-          </a:p>
-          <a:p>
-            <a:r>
-              <a:rPr lang="en-US" dirty="0" smtClean="0"/>
-              <a:t>I was able to see the </a:t>
-            </a:r>
-            <a:r>
-              <a:rPr lang="en-US" dirty="0" smtClean="0"/>
-              <a:t>highest value </a:t>
-            </a:r>
-            <a:r>
-              <a:rPr lang="en-US" dirty="0" smtClean="0"/>
-              <a:t>in each column.</a:t>
+              <a:t>From the data I collected, </a:t>
+            </a:r>
+          </a:p>
+          <a:p>
+            <a:r>
+              <a:rPr lang="en-US" dirty="0" smtClean="0"/>
+              <a:t>I was able to see the highest value in each column.</a:t>
             </a:r>
           </a:p>
           <a:p>
@@ -8278,15 +8393,7 @@
           <a:p>
             <a:r>
               <a:rPr lang="en-US" dirty="0" smtClean="0"/>
-              <a:t>My goal is to see the trends and find what factor changes the </a:t>
-            </a:r>
-            <a:r>
-              <a:rPr lang="en-US" dirty="0" smtClean="0"/>
-              <a:t>price of the housing market </a:t>
-            </a:r>
-            <a:r>
-              <a:rPr lang="en-US" dirty="0" smtClean="0"/>
-              <a:t>the most.</a:t>
+              <a:t>My goal is to see the trends and find what factor changes the price of the housing market the most.</a:t>
             </a:r>
           </a:p>
           <a:p>
@@ -8439,19 +8546,7 @@
             </a:pPr>
             <a:r>
               <a:rPr lang="en-US" dirty="0" smtClean="0"/>
-              <a:t>34.2% of the </a:t>
-            </a:r>
-            <a:r>
-              <a:rPr lang="en-US" dirty="0" smtClean="0"/>
-              <a:t>data that was collected are </a:t>
-            </a:r>
-            <a:r>
-              <a:rPr lang="en-US" dirty="0" smtClean="0"/>
-              <a:t>cities in California</a:t>
-            </a:r>
-            <a:r>
-              <a:rPr lang="en-US" dirty="0" smtClean="0"/>
-              <a:t>.</a:t>
+              <a:t>34.2% of the data that was collected are cities in California.</a:t>
             </a:r>
           </a:p>
           <a:p>
@@ -8471,11 +8566,7 @@
             </a:pPr>
             <a:r>
               <a:rPr lang="en-US" dirty="0" smtClean="0"/>
-              <a:t>As we can see, many </a:t>
-            </a:r>
-            <a:r>
-              <a:rPr lang="en-US" dirty="0" smtClean="0"/>
-              <a:t>popular States are in warmer area.</a:t>
+              <a:t>As we can see, many popular States are in warmer area.</a:t>
             </a:r>
           </a:p>
           <a:p>
@@ -8610,19 +8701,7 @@
             </a:pPr>
             <a:r>
               <a:rPr lang="en-US" dirty="0" smtClean="0"/>
-              <a:t>This is a bar-chart </a:t>
-            </a:r>
-            <a:r>
-              <a:rPr lang="en-US" dirty="0" smtClean="0"/>
-              <a:t> of </a:t>
-            </a:r>
-            <a:r>
-              <a:rPr lang="en-US" dirty="0" smtClean="0"/>
-              <a:t>weather ratings</a:t>
-            </a:r>
-            <a:r>
-              <a:rPr lang="en-US" dirty="0" smtClean="0"/>
-              <a:t>.</a:t>
+              <a:t>This is a bar-chart  of weather ratings.</a:t>
             </a:r>
           </a:p>
           <a:p>
@@ -8639,11 +8718,7 @@
             </a:pPr>
             <a:r>
               <a:rPr lang="en-US" dirty="0" smtClean="0"/>
-              <a:t>The rating was from 0 to 100</a:t>
-            </a:r>
-            <a:r>
-              <a:rPr lang="en-US" dirty="0" smtClean="0"/>
-              <a:t>.</a:t>
+              <a:t>The rating was from 0 to 100.</a:t>
             </a:r>
           </a:p>
           <a:p>
@@ -8660,11 +8735,7 @@
             </a:pPr>
             <a:r>
               <a:rPr lang="en-US" dirty="0" smtClean="0"/>
-              <a:t>0 as not a good </a:t>
-            </a:r>
-            <a:r>
-              <a:rPr lang="en-US" dirty="0" smtClean="0"/>
-              <a:t>weather</a:t>
+              <a:t>0 as not a good weather</a:t>
             </a:r>
           </a:p>
           <a:p>
@@ -8681,11 +8752,7 @@
             </a:pPr>
             <a:r>
               <a:rPr lang="en-US" dirty="0" smtClean="0"/>
-              <a:t>100 as very good </a:t>
-            </a:r>
-            <a:r>
-              <a:rPr lang="en-US" dirty="0" smtClean="0"/>
-              <a:t>weather</a:t>
+              <a:t>100 as very good weather</a:t>
             </a:r>
           </a:p>
           <a:p>
@@ -8702,23 +8769,7 @@
             </a:pPr>
             <a:r>
               <a:rPr lang="en-US" dirty="0" smtClean="0"/>
-              <a:t>This bar chart </a:t>
-            </a:r>
-            <a:r>
-              <a:rPr lang="en-US" dirty="0" smtClean="0"/>
-              <a:t>is </a:t>
-            </a:r>
-            <a:r>
-              <a:rPr lang="en-US" dirty="0" smtClean="0"/>
-              <a:t>relevant to the pie chart because the top rated states </a:t>
-            </a:r>
-            <a:r>
-              <a:rPr lang="en-US" dirty="0" smtClean="0"/>
-              <a:t>from pie chart were also picked in</a:t>
-            </a:r>
-            <a:r>
-              <a:rPr lang="en-US" dirty="0" smtClean="0"/>
-              <a:t> this chart.</a:t>
+              <a:t>This bar chart is relevant to the pie chart because the top rated states from pie chart were also picked in this chart.</a:t>
             </a:r>
           </a:p>
         </p:txBody>
@@ -9096,13 +9147,8 @@
           <a:p>
             <a:r>
               <a:rPr lang="en-US" dirty="0" smtClean="0"/>
-              <a:t>Top </a:t>
-            </a:r>
-            <a:r>
-              <a:rPr lang="en-US" dirty="0" smtClean="0"/>
-              <a:t>picks from Median price of house</a:t>
-            </a:r>
-            <a:endParaRPr lang="en-US" dirty="0" smtClean="0"/>
+              <a:t>Top picks from Median price of house</a:t>
+            </a:r>
           </a:p>
           <a:p>
             <a:endParaRPr lang="en-US" dirty="0"/>
